--- a/DFD/dfd.pptx
+++ b/DFD/dfd.pptx
@@ -7,21 +7,22 @@
   <p:sldIdLst>
     <p:sldId id="256" r:id="rId2"/>
     <p:sldId id="257" r:id="rId3"/>
-    <p:sldId id="258" r:id="rId4"/>
-    <p:sldId id="259" r:id="rId5"/>
-    <p:sldId id="260" r:id="rId6"/>
-    <p:sldId id="261" r:id="rId7"/>
-    <p:sldId id="262" r:id="rId8"/>
-    <p:sldId id="263" r:id="rId9"/>
-    <p:sldId id="264" r:id="rId10"/>
-    <p:sldId id="265" r:id="rId11"/>
-    <p:sldId id="266" r:id="rId12"/>
-    <p:sldId id="267" r:id="rId13"/>
-    <p:sldId id="268" r:id="rId14"/>
-    <p:sldId id="269" r:id="rId15"/>
-    <p:sldId id="270" r:id="rId16"/>
-    <p:sldId id="271" r:id="rId17"/>
-    <p:sldId id="272" r:id="rId18"/>
+    <p:sldId id="273" r:id="rId4"/>
+    <p:sldId id="258" r:id="rId5"/>
+    <p:sldId id="259" r:id="rId6"/>
+    <p:sldId id="260" r:id="rId7"/>
+    <p:sldId id="261" r:id="rId8"/>
+    <p:sldId id="262" r:id="rId9"/>
+    <p:sldId id="263" r:id="rId10"/>
+    <p:sldId id="264" r:id="rId11"/>
+    <p:sldId id="265" r:id="rId12"/>
+    <p:sldId id="266" r:id="rId13"/>
+    <p:sldId id="267" r:id="rId14"/>
+    <p:sldId id="268" r:id="rId15"/>
+    <p:sldId id="269" r:id="rId16"/>
+    <p:sldId id="270" r:id="rId17"/>
+    <p:sldId id="271" r:id="rId18"/>
+    <p:sldId id="272" r:id="rId19"/>
   </p:sldIdLst>
   <p:sldSz cx="12192000" cy="6858000"/>
   <p:notesSz cx="6858000" cy="9144000"/>
@@ -120,6 +121,11 @@
       </a:defRPr>
     </a:lvl9pPr>
   </p:defaultTextStyle>
+  <p:extLst>
+    <p:ext uri="{EFAFB233-063F-42B5-8137-9DF3F51BA10A}">
+      <p15:sldGuideLst xmlns:p15="http://schemas.microsoft.com/office/powerpoint/2012/main"/>
+    </p:ext>
+  </p:extLst>
 </p:presentation>
 </file>
 
@@ -274,7 +280,7 @@
           <a:p>
             <a:fld id="{58F3CDE7-C8E0-4689-9C26-8B15B41FD11D}" type="datetimeFigureOut">
               <a:rPr lang="en-US" smtClean="0"/>
-              <a:t>7/30/2017</a:t>
+              <a:t>7/31/2017</a:t>
             </a:fld>
             <a:endParaRPr lang="en-US"/>
           </a:p>
@@ -472,7 +478,7 @@
           <a:p>
             <a:fld id="{58F3CDE7-C8E0-4689-9C26-8B15B41FD11D}" type="datetimeFigureOut">
               <a:rPr lang="en-US" smtClean="0"/>
-              <a:t>7/30/2017</a:t>
+              <a:t>7/31/2017</a:t>
             </a:fld>
             <a:endParaRPr lang="en-US"/>
           </a:p>
@@ -680,7 +686,7 @@
           <a:p>
             <a:fld id="{58F3CDE7-C8E0-4689-9C26-8B15B41FD11D}" type="datetimeFigureOut">
               <a:rPr lang="en-US" smtClean="0"/>
-              <a:t>7/30/2017</a:t>
+              <a:t>7/31/2017</a:t>
             </a:fld>
             <a:endParaRPr lang="en-US"/>
           </a:p>
@@ -878,7 +884,7 @@
           <a:p>
             <a:fld id="{58F3CDE7-C8E0-4689-9C26-8B15B41FD11D}" type="datetimeFigureOut">
               <a:rPr lang="en-US" smtClean="0"/>
-              <a:t>7/30/2017</a:t>
+              <a:t>7/31/2017</a:t>
             </a:fld>
             <a:endParaRPr lang="en-US"/>
           </a:p>
@@ -1153,7 +1159,7 @@
           <a:p>
             <a:fld id="{58F3CDE7-C8E0-4689-9C26-8B15B41FD11D}" type="datetimeFigureOut">
               <a:rPr lang="en-US" smtClean="0"/>
-              <a:t>7/30/2017</a:t>
+              <a:t>7/31/2017</a:t>
             </a:fld>
             <a:endParaRPr lang="en-US"/>
           </a:p>
@@ -1418,7 +1424,7 @@
           <a:p>
             <a:fld id="{58F3CDE7-C8E0-4689-9C26-8B15B41FD11D}" type="datetimeFigureOut">
               <a:rPr lang="en-US" smtClean="0"/>
-              <a:t>7/30/2017</a:t>
+              <a:t>7/31/2017</a:t>
             </a:fld>
             <a:endParaRPr lang="en-US"/>
           </a:p>
@@ -1830,7 +1836,7 @@
           <a:p>
             <a:fld id="{58F3CDE7-C8E0-4689-9C26-8B15B41FD11D}" type="datetimeFigureOut">
               <a:rPr lang="en-US" smtClean="0"/>
-              <a:t>7/30/2017</a:t>
+              <a:t>7/31/2017</a:t>
             </a:fld>
             <a:endParaRPr lang="en-US"/>
           </a:p>
@@ -1971,7 +1977,7 @@
           <a:p>
             <a:fld id="{58F3CDE7-C8E0-4689-9C26-8B15B41FD11D}" type="datetimeFigureOut">
               <a:rPr lang="en-US" smtClean="0"/>
-              <a:t>7/30/2017</a:t>
+              <a:t>7/31/2017</a:t>
             </a:fld>
             <a:endParaRPr lang="en-US"/>
           </a:p>
@@ -2084,7 +2090,7 @@
           <a:p>
             <a:fld id="{58F3CDE7-C8E0-4689-9C26-8B15B41FD11D}" type="datetimeFigureOut">
               <a:rPr lang="en-US" smtClean="0"/>
-              <a:t>7/30/2017</a:t>
+              <a:t>7/31/2017</a:t>
             </a:fld>
             <a:endParaRPr lang="en-US"/>
           </a:p>
@@ -2395,7 +2401,7 @@
           <a:p>
             <a:fld id="{58F3CDE7-C8E0-4689-9C26-8B15B41FD11D}" type="datetimeFigureOut">
               <a:rPr lang="en-US" smtClean="0"/>
-              <a:t>7/30/2017</a:t>
+              <a:t>7/31/2017</a:t>
             </a:fld>
             <a:endParaRPr lang="en-US"/>
           </a:p>
@@ -2683,7 +2689,7 @@
           <a:p>
             <a:fld id="{58F3CDE7-C8E0-4689-9C26-8B15B41FD11D}" type="datetimeFigureOut">
               <a:rPr lang="en-US" smtClean="0"/>
-              <a:t>7/30/2017</a:t>
+              <a:t>7/31/2017</a:t>
             </a:fld>
             <a:endParaRPr lang="en-US"/>
           </a:p>
@@ -2924,7 +2930,7 @@
           <a:p>
             <a:fld id="{58F3CDE7-C8E0-4689-9C26-8B15B41FD11D}" type="datetimeFigureOut">
               <a:rPr lang="en-US" smtClean="0"/>
-              <a:t>7/30/2017</a:t>
+              <a:t>7/31/2017</a:t>
             </a:fld>
             <a:endParaRPr lang="en-US"/>
           </a:p>
@@ -3434,7 +3440,7 @@
           <p:cNvPr id="2" name="TextBox 1">
             <a:extLst>
               <a:ext uri="{FF2B5EF4-FFF2-40B4-BE49-F238E27FC236}">
-                <a16:creationId xmlns:a16="http://schemas.microsoft.com/office/drawing/2014/main" id="{49B8CE97-3682-4076-AE23-DCC1910C0E97}"/>
+                <a16:creationId xmlns:a16="http://schemas.microsoft.com/office/drawing/2014/main" id="{301266C2-0C80-43E5-B004-F0B52CE9CB1E}"/>
               </a:ext>
             </a:extLst>
           </p:cNvPr>
@@ -3443,8 +3449,8 @@
         </p:nvSpPr>
         <p:spPr>
           <a:xfrm>
-            <a:off x="242595" y="410547"/>
-            <a:ext cx="4553339" cy="523220"/>
+            <a:off x="382555" y="298580"/>
+            <a:ext cx="3265714" cy="523220"/>
           </a:xfrm>
           <a:prstGeom prst="rect">
             <a:avLst/>
@@ -3459,7 +3465,7 @@
           <a:p>
             <a:r>
               <a:rPr lang="en-IN" sz="2800" dirty="0"/>
-              <a:t>Add Challenges/Problem:</a:t>
+              <a:t>Compile &amp; Test:</a:t>
             </a:r>
             <a:endParaRPr lang="en-US" sz="2800" dirty="0"/>
           </a:p>
@@ -3467,10 +3473,10 @@
       </p:sp>
       <p:pic>
         <p:nvPicPr>
-          <p:cNvPr id="4" name="Picture 3" descr="A picture containing text, wall, indoor&#10;&#10;Description generated with high confidence">
-            <a:extLst>
-              <a:ext uri="{FF2B5EF4-FFF2-40B4-BE49-F238E27FC236}">
-                <a16:creationId xmlns:a16="http://schemas.microsoft.com/office/drawing/2014/main" id="{7B91BAE7-39D4-472B-A077-16EAD4507EDF}"/>
+          <p:cNvPr id="4" name="Picture 3" descr="A close up of a map&#10;&#10;Description generated with high confidence">
+            <a:extLst>
+              <a:ext uri="{FF2B5EF4-FFF2-40B4-BE49-F238E27FC236}">
+                <a16:creationId xmlns:a16="http://schemas.microsoft.com/office/drawing/2014/main" id="{3736E76B-B1F1-4DAB-8892-9B1A6AF7AF63}"/>
               </a:ext>
             </a:extLst>
           </p:cNvPr>
@@ -3493,8 +3499,8 @@
         </p:blipFill>
         <p:spPr>
           <a:xfrm>
-            <a:off x="1328894" y="2159541"/>
-            <a:ext cx="8988922" cy="2564932"/>
+            <a:off x="1731523" y="1135182"/>
+            <a:ext cx="8511702" cy="5429194"/>
           </a:xfrm>
           <a:prstGeom prst="rect">
             <a:avLst/>
@@ -3504,7 +3510,7 @@
     </p:spTree>
     <p:extLst>
       <p:ext uri="{BB962C8B-B14F-4D97-AF65-F5344CB8AC3E}">
-        <p14:creationId xmlns:p14="http://schemas.microsoft.com/office/powerpoint/2010/main" val="1610827788"/>
+        <p14:creationId xmlns:p14="http://schemas.microsoft.com/office/powerpoint/2010/main" val="175889920"/>
       </p:ext>
     </p:extLst>
   </p:cSld>
@@ -3536,7 +3542,7 @@
           <p:cNvPr id="2" name="TextBox 1">
             <a:extLst>
               <a:ext uri="{FF2B5EF4-FFF2-40B4-BE49-F238E27FC236}">
-                <a16:creationId xmlns:a16="http://schemas.microsoft.com/office/drawing/2014/main" id="{CBE21A85-92C2-4215-81EA-43D310A5EF94}"/>
+                <a16:creationId xmlns:a16="http://schemas.microsoft.com/office/drawing/2014/main" id="{49B8CE97-3682-4076-AE23-DCC1910C0E97}"/>
               </a:ext>
             </a:extLst>
           </p:cNvPr>
@@ -3545,8 +3551,8 @@
         </p:nvSpPr>
         <p:spPr>
           <a:xfrm>
-            <a:off x="272374" y="340468"/>
-            <a:ext cx="4173166" cy="523220"/>
+            <a:off x="242595" y="410547"/>
+            <a:ext cx="4553339" cy="523220"/>
           </a:xfrm>
           <a:prstGeom prst="rect">
             <a:avLst/>
@@ -3561,7 +3567,7 @@
           <a:p>
             <a:r>
               <a:rPr lang="en-IN" sz="2800" dirty="0"/>
-              <a:t>View Profile:</a:t>
+              <a:t>Add Challenges/Problem:</a:t>
             </a:r>
             <a:endParaRPr lang="en-US" sz="2800" dirty="0"/>
           </a:p>
@@ -3569,10 +3575,10 @@
       </p:sp>
       <p:pic>
         <p:nvPicPr>
-          <p:cNvPr id="6" name="Picture 5" descr="A picture containing text&#10;&#10;Description generated with high confidence">
-            <a:extLst>
-              <a:ext uri="{FF2B5EF4-FFF2-40B4-BE49-F238E27FC236}">
-                <a16:creationId xmlns:a16="http://schemas.microsoft.com/office/drawing/2014/main" id="{AE469809-1EE5-4D88-AF7E-7D299082B0CD}"/>
+          <p:cNvPr id="4" name="Picture 3" descr="A picture containing text, wall, indoor&#10;&#10;Description generated with high confidence">
+            <a:extLst>
+              <a:ext uri="{FF2B5EF4-FFF2-40B4-BE49-F238E27FC236}">
+                <a16:creationId xmlns:a16="http://schemas.microsoft.com/office/drawing/2014/main" id="{7B91BAE7-39D4-472B-A077-16EAD4507EDF}"/>
               </a:ext>
             </a:extLst>
           </p:cNvPr>
@@ -3595,8 +3601,8 @@
         </p:blipFill>
         <p:spPr>
           <a:xfrm>
-            <a:off x="1153155" y="2500008"/>
-            <a:ext cx="9417176" cy="1978093"/>
+            <a:off x="1328894" y="2159541"/>
+            <a:ext cx="8988922" cy="2564932"/>
           </a:xfrm>
           <a:prstGeom prst="rect">
             <a:avLst/>
@@ -3606,7 +3612,7 @@
     </p:spTree>
     <p:extLst>
       <p:ext uri="{BB962C8B-B14F-4D97-AF65-F5344CB8AC3E}">
-        <p14:creationId xmlns:p14="http://schemas.microsoft.com/office/powerpoint/2010/main" val="4152272740"/>
+        <p14:creationId xmlns:p14="http://schemas.microsoft.com/office/powerpoint/2010/main" val="1610827788"/>
       </p:ext>
     </p:extLst>
   </p:cSld>
@@ -3633,12 +3639,48 @@
           <a:chExt cx="0" cy="0"/>
         </a:xfrm>
       </p:grpSpPr>
+      <p:sp>
+        <p:nvSpPr>
+          <p:cNvPr id="2" name="TextBox 1">
+            <a:extLst>
+              <a:ext uri="{FF2B5EF4-FFF2-40B4-BE49-F238E27FC236}">
+                <a16:creationId xmlns:a16="http://schemas.microsoft.com/office/drawing/2014/main" id="{CBE21A85-92C2-4215-81EA-43D310A5EF94}"/>
+              </a:ext>
+            </a:extLst>
+          </p:cNvPr>
+          <p:cNvSpPr txBox="1"/>
+          <p:nvPr/>
+        </p:nvSpPr>
+        <p:spPr>
+          <a:xfrm>
+            <a:off x="272374" y="340468"/>
+            <a:ext cx="4173166" cy="523220"/>
+          </a:xfrm>
+          <a:prstGeom prst="rect">
+            <a:avLst/>
+          </a:prstGeom>
+          <a:noFill/>
+        </p:spPr>
+        <p:txBody>
+          <a:bodyPr wrap="square" rtlCol="0">
+            <a:spAutoFit/>
+          </a:bodyPr>
+          <a:lstStyle/>
+          <a:p>
+            <a:r>
+              <a:rPr lang="en-IN" sz="2800" dirty="0"/>
+              <a:t>View Profile:</a:t>
+            </a:r>
+            <a:endParaRPr lang="en-US" sz="2800" dirty="0"/>
+          </a:p>
+        </p:txBody>
+      </p:sp>
       <p:pic>
         <p:nvPicPr>
-          <p:cNvPr id="3" name="Picture 2" descr="A close up of a map&#10;&#10;Description generated with very high confidence">
-            <a:extLst>
-              <a:ext uri="{FF2B5EF4-FFF2-40B4-BE49-F238E27FC236}">
-                <a16:creationId xmlns:a16="http://schemas.microsoft.com/office/drawing/2014/main" id="{464930C1-D78E-4B37-A45A-61765DBCC878}"/>
+          <p:cNvPr id="6" name="Picture 5" descr="A picture containing text&#10;&#10;Description generated with high confidence">
+            <a:extLst>
+              <a:ext uri="{FF2B5EF4-FFF2-40B4-BE49-F238E27FC236}">
+                <a16:creationId xmlns:a16="http://schemas.microsoft.com/office/drawing/2014/main" id="{AE469809-1EE5-4D88-AF7E-7D299082B0CD}"/>
               </a:ext>
             </a:extLst>
           </p:cNvPr>
@@ -3661,8 +3703,8 @@
         </p:blipFill>
         <p:spPr>
           <a:xfrm>
-            <a:off x="2529191" y="559341"/>
-            <a:ext cx="6843111" cy="5865524"/>
+            <a:off x="1153155" y="2500008"/>
+            <a:ext cx="9417176" cy="1978093"/>
           </a:xfrm>
           <a:prstGeom prst="rect">
             <a:avLst/>
@@ -3672,7 +3714,7 @@
     </p:spTree>
     <p:extLst>
       <p:ext uri="{BB962C8B-B14F-4D97-AF65-F5344CB8AC3E}">
-        <p14:creationId xmlns:p14="http://schemas.microsoft.com/office/powerpoint/2010/main" val="2831475884"/>
+        <p14:creationId xmlns:p14="http://schemas.microsoft.com/office/powerpoint/2010/main" val="4152272740"/>
       </p:ext>
     </p:extLst>
   </p:cSld>
@@ -3699,48 +3741,12 @@
           <a:chExt cx="0" cy="0"/>
         </a:xfrm>
       </p:grpSpPr>
-      <p:sp>
-        <p:nvSpPr>
-          <p:cNvPr id="2" name="TextBox 1">
-            <a:extLst>
-              <a:ext uri="{FF2B5EF4-FFF2-40B4-BE49-F238E27FC236}">
-                <a16:creationId xmlns:a16="http://schemas.microsoft.com/office/drawing/2014/main" id="{5C2BD223-A3CC-4D5D-BD6C-847D8DD5909A}"/>
-              </a:ext>
-            </a:extLst>
-          </p:cNvPr>
-          <p:cNvSpPr txBox="1"/>
-          <p:nvPr/>
-        </p:nvSpPr>
-        <p:spPr>
-          <a:xfrm>
-            <a:off x="373224" y="307910"/>
-            <a:ext cx="3881535" cy="369332"/>
-          </a:xfrm>
-          <a:prstGeom prst="rect">
-            <a:avLst/>
-          </a:prstGeom>
-          <a:noFill/>
-        </p:spPr>
-        <p:txBody>
-          <a:bodyPr wrap="square" rtlCol="0">
-            <a:spAutoFit/>
-          </a:bodyPr>
-          <a:lstStyle/>
-          <a:p>
-            <a:r>
-              <a:rPr lang="en-IN" dirty="0"/>
-              <a:t>View Participated Challenges:</a:t>
-            </a:r>
-            <a:endParaRPr lang="en-US" dirty="0"/>
-          </a:p>
-        </p:txBody>
-      </p:sp>
       <p:pic>
         <p:nvPicPr>
-          <p:cNvPr id="4" name="Picture 3" descr="A picture containing indoor, wall, athletic game&#10;&#10;Description generated with very high confidence">
-            <a:extLst>
-              <a:ext uri="{FF2B5EF4-FFF2-40B4-BE49-F238E27FC236}">
-                <a16:creationId xmlns:a16="http://schemas.microsoft.com/office/drawing/2014/main" id="{58DA5700-3B0C-4DB8-910E-B4AE3348FDAC}"/>
+          <p:cNvPr id="3" name="Picture 2" descr="A close up of a map&#10;&#10;Description generated with very high confidence">
+            <a:extLst>
+              <a:ext uri="{FF2B5EF4-FFF2-40B4-BE49-F238E27FC236}">
+                <a16:creationId xmlns:a16="http://schemas.microsoft.com/office/drawing/2014/main" id="{464930C1-D78E-4B37-A45A-61765DBCC878}"/>
               </a:ext>
             </a:extLst>
           </p:cNvPr>
@@ -3763,8 +3769,8 @@
         </p:blipFill>
         <p:spPr>
           <a:xfrm>
-            <a:off x="728565" y="2110901"/>
-            <a:ext cx="10767195" cy="2389658"/>
+            <a:off x="2529191" y="559341"/>
+            <a:ext cx="6843111" cy="5865524"/>
           </a:xfrm>
           <a:prstGeom prst="rect">
             <a:avLst/>
@@ -3774,7 +3780,7 @@
     </p:spTree>
     <p:extLst>
       <p:ext uri="{BB962C8B-B14F-4D97-AF65-F5344CB8AC3E}">
-        <p14:creationId xmlns:p14="http://schemas.microsoft.com/office/powerpoint/2010/main" val="3528490053"/>
+        <p14:creationId xmlns:p14="http://schemas.microsoft.com/office/powerpoint/2010/main" val="2831475884"/>
       </p:ext>
     </p:extLst>
   </p:cSld>
@@ -3806,7 +3812,7 @@
           <p:cNvPr id="2" name="TextBox 1">
             <a:extLst>
               <a:ext uri="{FF2B5EF4-FFF2-40B4-BE49-F238E27FC236}">
-                <a16:creationId xmlns:a16="http://schemas.microsoft.com/office/drawing/2014/main" id="{AFE8FA5F-E689-466F-AA16-E827DA93167B}"/>
+                <a16:creationId xmlns:a16="http://schemas.microsoft.com/office/drawing/2014/main" id="{5C2BD223-A3CC-4D5D-BD6C-847D8DD5909A}"/>
               </a:ext>
             </a:extLst>
           </p:cNvPr>
@@ -3815,8 +3821,8 @@
         </p:nvSpPr>
         <p:spPr>
           <a:xfrm>
-            <a:off x="311285" y="282102"/>
-            <a:ext cx="4416358" cy="523220"/>
+            <a:off x="373224" y="307910"/>
+            <a:ext cx="5103845" cy="523220"/>
           </a:xfrm>
           <a:prstGeom prst="rect">
             <a:avLst/>
@@ -3831,7 +3837,7 @@
           <a:p>
             <a:r>
               <a:rPr lang="en-IN" sz="2800" dirty="0"/>
-              <a:t>View Upcoming Challenge:</a:t>
+              <a:t>View Participated Challenges:</a:t>
             </a:r>
             <a:endParaRPr lang="en-US" sz="2800" dirty="0"/>
           </a:p>
@@ -3839,10 +3845,10 @@
       </p:sp>
       <p:pic>
         <p:nvPicPr>
-          <p:cNvPr id="4" name="Picture 3" descr="A picture containing athletic game&#10;&#10;Description generated with high confidence">
-            <a:extLst>
-              <a:ext uri="{FF2B5EF4-FFF2-40B4-BE49-F238E27FC236}">
-                <a16:creationId xmlns:a16="http://schemas.microsoft.com/office/drawing/2014/main" id="{5C1307B9-9B7A-4B0E-B818-002E53C192BC}"/>
+          <p:cNvPr id="4" name="Picture 3" descr="A picture containing indoor, wall, athletic game&#10;&#10;Description generated with very high confidence">
+            <a:extLst>
+              <a:ext uri="{FF2B5EF4-FFF2-40B4-BE49-F238E27FC236}">
+                <a16:creationId xmlns:a16="http://schemas.microsoft.com/office/drawing/2014/main" id="{58DA5700-3B0C-4DB8-910E-B4AE3348FDAC}"/>
               </a:ext>
             </a:extLst>
           </p:cNvPr>
@@ -3865,8 +3871,8 @@
         </p:blipFill>
         <p:spPr>
           <a:xfrm>
-            <a:off x="405485" y="2422188"/>
-            <a:ext cx="11109501" cy="1942499"/>
+            <a:off x="728565" y="2110901"/>
+            <a:ext cx="10767195" cy="2389658"/>
           </a:xfrm>
           <a:prstGeom prst="rect">
             <a:avLst/>
@@ -3876,7 +3882,7 @@
     </p:spTree>
     <p:extLst>
       <p:ext uri="{BB962C8B-B14F-4D97-AF65-F5344CB8AC3E}">
-        <p14:creationId xmlns:p14="http://schemas.microsoft.com/office/powerpoint/2010/main" val="1531697560"/>
+        <p14:creationId xmlns:p14="http://schemas.microsoft.com/office/powerpoint/2010/main" val="3528490053"/>
       </p:ext>
     </p:extLst>
   </p:cSld>
@@ -3908,7 +3914,7 @@
           <p:cNvPr id="2" name="TextBox 1">
             <a:extLst>
               <a:ext uri="{FF2B5EF4-FFF2-40B4-BE49-F238E27FC236}">
-                <a16:creationId xmlns:a16="http://schemas.microsoft.com/office/drawing/2014/main" id="{E7DAA1C2-E0CD-4780-AADC-B4F01C5E7C68}"/>
+                <a16:creationId xmlns:a16="http://schemas.microsoft.com/office/drawing/2014/main" id="{AFE8FA5F-E689-466F-AA16-E827DA93167B}"/>
               </a:ext>
             </a:extLst>
           </p:cNvPr>
@@ -3917,8 +3923,8 @@
         </p:nvSpPr>
         <p:spPr>
           <a:xfrm>
-            <a:off x="340468" y="389106"/>
-            <a:ext cx="5000017" cy="523220"/>
+            <a:off x="311285" y="282102"/>
+            <a:ext cx="4416358" cy="523220"/>
           </a:xfrm>
           <a:prstGeom prst="rect">
             <a:avLst/>
@@ -3933,7 +3939,7 @@
           <a:p>
             <a:r>
               <a:rPr lang="en-IN" sz="2800" dirty="0"/>
-              <a:t>Create Contest:</a:t>
+              <a:t>View Upcoming Challenge:</a:t>
             </a:r>
             <a:endParaRPr lang="en-US" sz="2800" dirty="0"/>
           </a:p>
@@ -3941,10 +3947,10 @@
       </p:sp>
       <p:pic>
         <p:nvPicPr>
-          <p:cNvPr id="4" name="Picture 3" descr="A close up of a map&#10;&#10;Description generated with high confidence">
-            <a:extLst>
-              <a:ext uri="{FF2B5EF4-FFF2-40B4-BE49-F238E27FC236}">
-                <a16:creationId xmlns:a16="http://schemas.microsoft.com/office/drawing/2014/main" id="{3E10372B-84CA-4CC3-92C8-F79D9F407D39}"/>
+          <p:cNvPr id="4" name="Picture 3" descr="A picture containing athletic game&#10;&#10;Description generated with high confidence">
+            <a:extLst>
+              <a:ext uri="{FF2B5EF4-FFF2-40B4-BE49-F238E27FC236}">
+                <a16:creationId xmlns:a16="http://schemas.microsoft.com/office/drawing/2014/main" id="{5C1307B9-9B7A-4B0E-B818-002E53C192BC}"/>
               </a:ext>
             </a:extLst>
           </p:cNvPr>
@@ -3967,8 +3973,8 @@
         </p:blipFill>
         <p:spPr>
           <a:xfrm>
-            <a:off x="1712067" y="1542873"/>
-            <a:ext cx="8249055" cy="4643767"/>
+            <a:off x="405485" y="2422188"/>
+            <a:ext cx="11109501" cy="1942499"/>
           </a:xfrm>
           <a:prstGeom prst="rect">
             <a:avLst/>
@@ -3978,7 +3984,7 @@
     </p:spTree>
     <p:extLst>
       <p:ext uri="{BB962C8B-B14F-4D97-AF65-F5344CB8AC3E}">
-        <p14:creationId xmlns:p14="http://schemas.microsoft.com/office/powerpoint/2010/main" val="2310908003"/>
+        <p14:creationId xmlns:p14="http://schemas.microsoft.com/office/powerpoint/2010/main" val="1531697560"/>
       </p:ext>
     </p:extLst>
   </p:cSld>
@@ -4010,7 +4016,7 @@
           <p:cNvPr id="2" name="TextBox 1">
             <a:extLst>
               <a:ext uri="{FF2B5EF4-FFF2-40B4-BE49-F238E27FC236}">
-                <a16:creationId xmlns:a16="http://schemas.microsoft.com/office/drawing/2014/main" id="{D664BA56-60A1-40B2-9B4B-570C695D14D9}"/>
+                <a16:creationId xmlns:a16="http://schemas.microsoft.com/office/drawing/2014/main" id="{E7DAA1C2-E0CD-4780-AADC-B4F01C5E7C68}"/>
               </a:ext>
             </a:extLst>
           </p:cNvPr>
@@ -4019,8 +4025,8 @@
         </p:nvSpPr>
         <p:spPr>
           <a:xfrm>
-            <a:off x="282103" y="194553"/>
-            <a:ext cx="3735421" cy="369332"/>
+            <a:off x="340468" y="389106"/>
+            <a:ext cx="5000017" cy="523220"/>
           </a:xfrm>
           <a:prstGeom prst="rect">
             <a:avLst/>
@@ -4034,19 +4040,19 @@
           <a:lstStyle/>
           <a:p>
             <a:r>
-              <a:rPr lang="en-IN" dirty="0"/>
-              <a:t>View Live challenges:</a:t>
-            </a:r>
-            <a:endParaRPr lang="en-US" dirty="0"/>
+              <a:rPr lang="en-IN" sz="2800" dirty="0"/>
+              <a:t>Create Contest:</a:t>
+            </a:r>
+            <a:endParaRPr lang="en-US" sz="2800" dirty="0"/>
           </a:p>
         </p:txBody>
       </p:sp>
       <p:pic>
         <p:nvPicPr>
-          <p:cNvPr id="4" name="Picture 3" descr="A picture containing shoji&#10;&#10;Description generated with very high confidence">
-            <a:extLst>
-              <a:ext uri="{FF2B5EF4-FFF2-40B4-BE49-F238E27FC236}">
-                <a16:creationId xmlns:a16="http://schemas.microsoft.com/office/drawing/2014/main" id="{E18E2966-A61D-4115-9544-E1C4CE2AC093}"/>
+          <p:cNvPr id="4" name="Picture 3" descr="A close up of a map&#10;&#10;Description generated with high confidence">
+            <a:extLst>
+              <a:ext uri="{FF2B5EF4-FFF2-40B4-BE49-F238E27FC236}">
+                <a16:creationId xmlns:a16="http://schemas.microsoft.com/office/drawing/2014/main" id="{3E10372B-84CA-4CC3-92C8-F79D9F407D39}"/>
               </a:ext>
             </a:extLst>
           </p:cNvPr>
@@ -4069,20 +4075,50 @@
         </p:blipFill>
         <p:spPr>
           <a:xfrm>
-            <a:off x="1449353" y="877077"/>
-            <a:ext cx="8633816" cy="1713237"/>
+            <a:off x="1712067" y="1542873"/>
+            <a:ext cx="8249055" cy="4643767"/>
           </a:xfrm>
           <a:prstGeom prst="rect">
             <a:avLst/>
           </a:prstGeom>
         </p:spPr>
       </p:pic>
-      <p:sp>
-        <p:nvSpPr>
-          <p:cNvPr id="6" name="TextBox 5">
-            <a:extLst>
-              <a:ext uri="{FF2B5EF4-FFF2-40B4-BE49-F238E27FC236}">
-                <a16:creationId xmlns:a16="http://schemas.microsoft.com/office/drawing/2014/main" id="{6CB17936-3E2D-4089-B838-40BE99A267B9}"/>
+    </p:spTree>
+    <p:extLst>
+      <p:ext uri="{BB962C8B-B14F-4D97-AF65-F5344CB8AC3E}">
+        <p14:creationId xmlns:p14="http://schemas.microsoft.com/office/powerpoint/2010/main" val="2310908003"/>
+      </p:ext>
+    </p:extLst>
+  </p:cSld>
+  <p:clrMapOvr>
+    <a:masterClrMapping/>
+  </p:clrMapOvr>
+</p:sld>
+</file>
+
+<file path=ppt/slides/slide17.xml><?xml version="1.0" encoding="utf-8"?>
+<p:sld xmlns:a="http://schemas.openxmlformats.org/drawingml/2006/main" xmlns:r="http://schemas.openxmlformats.org/officeDocument/2006/relationships" xmlns:p="http://schemas.openxmlformats.org/presentationml/2006/main">
+  <p:cSld>
+    <p:spTree>
+      <p:nvGrpSpPr>
+        <p:cNvPr id="1" name=""/>
+        <p:cNvGrpSpPr/>
+        <p:nvPr/>
+      </p:nvGrpSpPr>
+      <p:grpSpPr>
+        <a:xfrm>
+          <a:off x="0" y="0"/>
+          <a:ext cx="0" cy="0"/>
+          <a:chOff x="0" y="0"/>
+          <a:chExt cx="0" cy="0"/>
+        </a:xfrm>
+      </p:grpSpPr>
+      <p:sp>
+        <p:nvSpPr>
+          <p:cNvPr id="2" name="TextBox 1">
+            <a:extLst>
+              <a:ext uri="{FF2B5EF4-FFF2-40B4-BE49-F238E27FC236}">
+                <a16:creationId xmlns:a16="http://schemas.microsoft.com/office/drawing/2014/main" id="{D664BA56-60A1-40B2-9B4B-570C695D14D9}"/>
               </a:ext>
             </a:extLst>
           </p:cNvPr>
@@ -4091,8 +4127,8 @@
         </p:nvSpPr>
         <p:spPr>
           <a:xfrm>
-            <a:off x="282103" y="3097763"/>
-            <a:ext cx="2815660" cy="373225"/>
+            <a:off x="451895" y="194553"/>
+            <a:ext cx="3395837" cy="523220"/>
           </a:xfrm>
           <a:prstGeom prst="rect">
             <a:avLst/>
@@ -4106,10 +4142,82 @@
           <a:lstStyle/>
           <a:p>
             <a:r>
-              <a:rPr lang="en-IN" dirty="0"/>
+              <a:rPr lang="en-IN" sz="2800" dirty="0"/>
+              <a:t>View Live challenges:</a:t>
+            </a:r>
+            <a:endParaRPr lang="en-US" sz="2800" dirty="0"/>
+          </a:p>
+        </p:txBody>
+      </p:sp>
+      <p:pic>
+        <p:nvPicPr>
+          <p:cNvPr id="4" name="Picture 3" descr="A picture containing shoji&#10;&#10;Description generated with very high confidence">
+            <a:extLst>
+              <a:ext uri="{FF2B5EF4-FFF2-40B4-BE49-F238E27FC236}">
+                <a16:creationId xmlns:a16="http://schemas.microsoft.com/office/drawing/2014/main" id="{E18E2966-A61D-4115-9544-E1C4CE2AC093}"/>
+              </a:ext>
+            </a:extLst>
+          </p:cNvPr>
+          <p:cNvPicPr>
+            <a:picLocks noChangeAspect="1"/>
+          </p:cNvPicPr>
+          <p:nvPr/>
+        </p:nvPicPr>
+        <p:blipFill>
+          <a:blip r:embed="rId2">
+            <a:extLst>
+              <a:ext uri="{28A0092B-C50C-407E-A947-70E740481C1C}">
+                <a14:useLocalDpi xmlns:a14="http://schemas.microsoft.com/office/drawing/2010/main" val="0"/>
+              </a:ext>
+            </a:extLst>
+          </a:blip>
+          <a:stretch>
+            <a:fillRect/>
+          </a:stretch>
+        </p:blipFill>
+        <p:spPr>
+          <a:xfrm>
+            <a:off x="1449353" y="877077"/>
+            <a:ext cx="8633816" cy="1713237"/>
+          </a:xfrm>
+          <a:prstGeom prst="rect">
+            <a:avLst/>
+          </a:prstGeom>
+        </p:spPr>
+      </p:pic>
+      <p:sp>
+        <p:nvSpPr>
+          <p:cNvPr id="6" name="TextBox 5">
+            <a:extLst>
+              <a:ext uri="{FF2B5EF4-FFF2-40B4-BE49-F238E27FC236}">
+                <a16:creationId xmlns:a16="http://schemas.microsoft.com/office/drawing/2014/main" id="{6CB17936-3E2D-4089-B838-40BE99A267B9}"/>
+              </a:ext>
+            </a:extLst>
+          </p:cNvPr>
+          <p:cNvSpPr txBox="1"/>
+          <p:nvPr/>
+        </p:nvSpPr>
+        <p:spPr>
+          <a:xfrm>
+            <a:off x="282103" y="3097763"/>
+            <a:ext cx="3758052" cy="523220"/>
+          </a:xfrm>
+          <a:prstGeom prst="rect">
+            <a:avLst/>
+          </a:prstGeom>
+          <a:noFill/>
+        </p:spPr>
+        <p:txBody>
+          <a:bodyPr wrap="square" rtlCol="0">
+            <a:spAutoFit/>
+          </a:bodyPr>
+          <a:lstStyle/>
+          <a:p>
+            <a:r>
+              <a:rPr lang="en-IN" sz="2800" dirty="0"/>
               <a:t>View Practice Problem:</a:t>
             </a:r>
-            <a:endParaRPr lang="en-US" dirty="0"/>
+            <a:endParaRPr lang="en-US" sz="2800" dirty="0"/>
           </a:p>
         </p:txBody>
       </p:sp>
@@ -4162,7 +4270,7 @@
 </p:sld>
 </file>
 
-<file path=ppt/slides/slide17.xml><?xml version="1.0" encoding="utf-8"?>
+<file path=ppt/slides/slide18.xml><?xml version="1.0" encoding="utf-8"?>
 <p:sld xmlns:a="http://schemas.openxmlformats.org/drawingml/2006/main" xmlns:r="http://schemas.openxmlformats.org/officeDocument/2006/relationships" xmlns:p="http://schemas.openxmlformats.org/presentationml/2006/main">
   <p:cSld>
     <p:spTree>
@@ -4423,10 +4531,10 @@
       </p:grpSpPr>
       <p:sp>
         <p:nvSpPr>
-          <p:cNvPr id="4" name="TextBox 3">
-            <a:extLst>
-              <a:ext uri="{FF2B5EF4-FFF2-40B4-BE49-F238E27FC236}">
-                <a16:creationId xmlns:a16="http://schemas.microsoft.com/office/drawing/2014/main" id="{37F0A87D-8DE0-40B4-8AD8-0F41A48F1F77}"/>
+          <p:cNvPr id="2" name="TextBox 1">
+            <a:extLst>
+              <a:ext uri="{FF2B5EF4-FFF2-40B4-BE49-F238E27FC236}">
+                <a16:creationId xmlns:a16="http://schemas.microsoft.com/office/drawing/2014/main" id="{48C72B96-9901-48FD-9EB5-04DFD192F807}"/>
               </a:ext>
             </a:extLst>
           </p:cNvPr>
@@ -4435,8 +4543,8 @@
         </p:nvSpPr>
         <p:spPr>
           <a:xfrm>
-            <a:off x="391886" y="289248"/>
-            <a:ext cx="2743200" cy="523220"/>
+            <a:off x="335902" y="391886"/>
+            <a:ext cx="4413380" cy="523220"/>
           </a:xfrm>
           <a:prstGeom prst="rect">
             <a:avLst/>
@@ -4451,7 +4559,7 @@
           <a:p>
             <a:r>
               <a:rPr lang="en-IN" sz="2800" dirty="0"/>
-              <a:t>Login:</a:t>
+              <a:t>Level-0/Context diagram:</a:t>
             </a:r>
             <a:endParaRPr lang="en-US" sz="2800" dirty="0"/>
           </a:p>
@@ -4459,10 +4567,10 @@
       </p:sp>
       <p:pic>
         <p:nvPicPr>
-          <p:cNvPr id="6" name="Picture 5" descr="A map of the table&#10;&#10;Description generated with high confidence">
-            <a:extLst>
-              <a:ext uri="{FF2B5EF4-FFF2-40B4-BE49-F238E27FC236}">
-                <a16:creationId xmlns:a16="http://schemas.microsoft.com/office/drawing/2014/main" id="{541403C4-B96A-47E3-AF31-B799BDC3F4C5}"/>
+          <p:cNvPr id="6" name="Picture 5" descr="A close up of a map&#10;&#10;Description generated with high confidence">
+            <a:extLst>
+              <a:ext uri="{FF2B5EF4-FFF2-40B4-BE49-F238E27FC236}">
+                <a16:creationId xmlns:a16="http://schemas.microsoft.com/office/drawing/2014/main" id="{6BB3B619-7549-4BFB-9694-FD585452FFCD}"/>
               </a:ext>
             </a:extLst>
           </p:cNvPr>
@@ -4485,8 +4593,8 @@
         </p:blipFill>
         <p:spPr>
           <a:xfrm>
-            <a:off x="938641" y="900542"/>
-            <a:ext cx="10170927" cy="5350969"/>
+            <a:off x="554476" y="1634246"/>
+            <a:ext cx="11259663" cy="3777529"/>
           </a:xfrm>
           <a:prstGeom prst="rect">
             <a:avLst/>
@@ -4496,7 +4604,7 @@
     </p:spTree>
     <p:extLst>
       <p:ext uri="{BB962C8B-B14F-4D97-AF65-F5344CB8AC3E}">
-        <p14:creationId xmlns:p14="http://schemas.microsoft.com/office/powerpoint/2010/main" val="905458811"/>
+        <p14:creationId xmlns:p14="http://schemas.microsoft.com/office/powerpoint/2010/main" val="3144565660"/>
       </p:ext>
     </p:extLst>
   </p:cSld>
@@ -4525,10 +4633,10 @@
       </p:grpSpPr>
       <p:sp>
         <p:nvSpPr>
-          <p:cNvPr id="3" name="TextBox 2">
-            <a:extLst>
-              <a:ext uri="{FF2B5EF4-FFF2-40B4-BE49-F238E27FC236}">
-                <a16:creationId xmlns:a16="http://schemas.microsoft.com/office/drawing/2014/main" id="{F753F517-9139-43FA-9235-39281BBE915B}"/>
+          <p:cNvPr id="4" name="TextBox 3">
+            <a:extLst>
+              <a:ext uri="{FF2B5EF4-FFF2-40B4-BE49-F238E27FC236}">
+                <a16:creationId xmlns:a16="http://schemas.microsoft.com/office/drawing/2014/main" id="{37F0A87D-8DE0-40B4-8AD8-0F41A48F1F77}"/>
               </a:ext>
             </a:extLst>
           </p:cNvPr>
@@ -4537,8 +4645,8 @@
         </p:nvSpPr>
         <p:spPr>
           <a:xfrm>
-            <a:off x="438540" y="335903"/>
-            <a:ext cx="2146040" cy="523220"/>
+            <a:off x="391886" y="289248"/>
+            <a:ext cx="2743200" cy="523220"/>
           </a:xfrm>
           <a:prstGeom prst="rect">
             <a:avLst/>
@@ -4552,8 +4660,8 @@
           <a:lstStyle/>
           <a:p>
             <a:r>
-              <a:rPr lang="en-IN" sz="2800"/>
-              <a:t>Sign Up:</a:t>
+              <a:rPr lang="en-IN" sz="2800" dirty="0"/>
+              <a:t>Login:</a:t>
             </a:r>
             <a:endParaRPr lang="en-US" sz="2800" dirty="0"/>
           </a:p>
@@ -4561,10 +4669,10 @@
       </p:sp>
       <p:pic>
         <p:nvPicPr>
-          <p:cNvPr id="5" name="Picture 4" descr="A close up of a map&#10;&#10;Description generated with very high confidence">
-            <a:extLst>
-              <a:ext uri="{FF2B5EF4-FFF2-40B4-BE49-F238E27FC236}">
-                <a16:creationId xmlns:a16="http://schemas.microsoft.com/office/drawing/2014/main" id="{6C933EC5-26B5-49FB-9D69-39EC66098EAE}"/>
+          <p:cNvPr id="6" name="Picture 5" descr="A map of the table&#10;&#10;Description generated with high confidence">
+            <a:extLst>
+              <a:ext uri="{FF2B5EF4-FFF2-40B4-BE49-F238E27FC236}">
+                <a16:creationId xmlns:a16="http://schemas.microsoft.com/office/drawing/2014/main" id="{541403C4-B96A-47E3-AF31-B799BDC3F4C5}"/>
               </a:ext>
             </a:extLst>
           </p:cNvPr>
@@ -4587,8 +4695,8 @@
         </p:blipFill>
         <p:spPr>
           <a:xfrm>
-            <a:off x="2167230" y="139961"/>
-            <a:ext cx="7572576" cy="6447452"/>
+            <a:off x="938641" y="900542"/>
+            <a:ext cx="10170927" cy="5350969"/>
           </a:xfrm>
           <a:prstGeom prst="rect">
             <a:avLst/>
@@ -4598,7 +4706,7 @@
     </p:spTree>
     <p:extLst>
       <p:ext uri="{BB962C8B-B14F-4D97-AF65-F5344CB8AC3E}">
-        <p14:creationId xmlns:p14="http://schemas.microsoft.com/office/powerpoint/2010/main" val="1782872330"/>
+        <p14:creationId xmlns:p14="http://schemas.microsoft.com/office/powerpoint/2010/main" val="905458811"/>
       </p:ext>
     </p:extLst>
   </p:cSld>
@@ -4630,7 +4738,7 @@
           <p:cNvPr id="3" name="TextBox 2">
             <a:extLst>
               <a:ext uri="{FF2B5EF4-FFF2-40B4-BE49-F238E27FC236}">
-                <a16:creationId xmlns:a16="http://schemas.microsoft.com/office/drawing/2014/main" id="{3FDE4862-643A-4F5A-A5BA-4974662BE259}"/>
+                <a16:creationId xmlns:a16="http://schemas.microsoft.com/office/drawing/2014/main" id="{F753F517-9139-43FA-9235-39281BBE915B}"/>
               </a:ext>
             </a:extLst>
           </p:cNvPr>
@@ -4639,8 +4747,8 @@
         </p:nvSpPr>
         <p:spPr>
           <a:xfrm>
-            <a:off x="559837" y="447869"/>
-            <a:ext cx="1996751" cy="523220"/>
+            <a:off x="438540" y="335903"/>
+            <a:ext cx="2146040" cy="523220"/>
           </a:xfrm>
           <a:prstGeom prst="rect">
             <a:avLst/>
@@ -4654,8 +4762,8 @@
           <a:lstStyle/>
           <a:p>
             <a:r>
-              <a:rPr lang="en-IN" sz="2800" dirty="0"/>
-              <a:t>Edit Profile:</a:t>
+              <a:rPr lang="en-IN" sz="2800"/>
+              <a:t>Sign Up:</a:t>
             </a:r>
             <a:endParaRPr lang="en-US" sz="2800" dirty="0"/>
           </a:p>
@@ -4663,10 +4771,10 @@
       </p:sp>
       <p:pic>
         <p:nvPicPr>
-          <p:cNvPr id="5" name="Picture 4" descr="A close up of a map&#10;&#10;Description generated with high confidence">
-            <a:extLst>
-              <a:ext uri="{FF2B5EF4-FFF2-40B4-BE49-F238E27FC236}">
-                <a16:creationId xmlns:a16="http://schemas.microsoft.com/office/drawing/2014/main" id="{0AB6D0EF-BB4A-4F5F-8BA9-8B3E1D3DE559}"/>
+          <p:cNvPr id="5" name="Picture 4" descr="A close up of a map&#10;&#10;Description generated with very high confidence">
+            <a:extLst>
+              <a:ext uri="{FF2B5EF4-FFF2-40B4-BE49-F238E27FC236}">
+                <a16:creationId xmlns:a16="http://schemas.microsoft.com/office/drawing/2014/main" id="{6C933EC5-26B5-49FB-9D69-39EC66098EAE}"/>
               </a:ext>
             </a:extLst>
           </p:cNvPr>
@@ -4689,44 +4797,8 @@
         </p:blipFill>
         <p:spPr>
           <a:xfrm>
-            <a:off x="1823972" y="971089"/>
-            <a:ext cx="7331075" cy="2712955"/>
-          </a:xfrm>
-          <a:prstGeom prst="rect">
-            <a:avLst/>
-          </a:prstGeom>
-        </p:spPr>
-      </p:pic>
-      <p:pic>
-        <p:nvPicPr>
-          <p:cNvPr id="7" name="Picture 6" descr="A picture containing sky, map, text, table&#10;&#10;Description generated with very high confidence">
-            <a:extLst>
-              <a:ext uri="{FF2B5EF4-FFF2-40B4-BE49-F238E27FC236}">
-                <a16:creationId xmlns:a16="http://schemas.microsoft.com/office/drawing/2014/main" id="{1120DCF9-1A15-435C-8FB9-2E6E883E372F}"/>
-              </a:ext>
-            </a:extLst>
-          </p:cNvPr>
-          <p:cNvPicPr>
-            <a:picLocks noChangeAspect="1"/>
-          </p:cNvPicPr>
-          <p:nvPr/>
-        </p:nvPicPr>
-        <p:blipFill>
-          <a:blip r:embed="rId3">
-            <a:extLst>
-              <a:ext uri="{28A0092B-C50C-407E-A947-70E740481C1C}">
-                <a14:useLocalDpi xmlns:a14="http://schemas.microsoft.com/office/drawing/2010/main" val="0"/>
-              </a:ext>
-            </a:extLst>
-          </a:blip>
-          <a:stretch>
-            <a:fillRect/>
-          </a:stretch>
-        </p:blipFill>
-        <p:spPr>
-          <a:xfrm>
-            <a:off x="1983526" y="3684044"/>
-            <a:ext cx="5740235" cy="2690093"/>
+            <a:off x="2167230" y="139961"/>
+            <a:ext cx="7572576" cy="6447452"/>
           </a:xfrm>
           <a:prstGeom prst="rect">
             <a:avLst/>
@@ -4736,7 +4808,7 @@
     </p:spTree>
     <p:extLst>
       <p:ext uri="{BB962C8B-B14F-4D97-AF65-F5344CB8AC3E}">
-        <p14:creationId xmlns:p14="http://schemas.microsoft.com/office/powerpoint/2010/main" val="1942731804"/>
+        <p14:creationId xmlns:p14="http://schemas.microsoft.com/office/powerpoint/2010/main" val="1782872330"/>
       </p:ext>
     </p:extLst>
   </p:cSld>
@@ -4763,12 +4835,48 @@
           <a:chExt cx="0" cy="0"/>
         </a:xfrm>
       </p:grpSpPr>
+      <p:sp>
+        <p:nvSpPr>
+          <p:cNvPr id="3" name="TextBox 2">
+            <a:extLst>
+              <a:ext uri="{FF2B5EF4-FFF2-40B4-BE49-F238E27FC236}">
+                <a16:creationId xmlns:a16="http://schemas.microsoft.com/office/drawing/2014/main" id="{3FDE4862-643A-4F5A-A5BA-4974662BE259}"/>
+              </a:ext>
+            </a:extLst>
+          </p:cNvPr>
+          <p:cNvSpPr txBox="1"/>
+          <p:nvPr/>
+        </p:nvSpPr>
+        <p:spPr>
+          <a:xfrm>
+            <a:off x="559837" y="447869"/>
+            <a:ext cx="1996751" cy="523220"/>
+          </a:xfrm>
+          <a:prstGeom prst="rect">
+            <a:avLst/>
+          </a:prstGeom>
+          <a:noFill/>
+        </p:spPr>
+        <p:txBody>
+          <a:bodyPr wrap="square" rtlCol="0">
+            <a:spAutoFit/>
+          </a:bodyPr>
+          <a:lstStyle/>
+          <a:p>
+            <a:r>
+              <a:rPr lang="en-IN" sz="2800" dirty="0"/>
+              <a:t>Edit Profile:</a:t>
+            </a:r>
+            <a:endParaRPr lang="en-US" sz="2800" dirty="0"/>
+          </a:p>
+        </p:txBody>
+      </p:sp>
       <p:pic>
         <p:nvPicPr>
-          <p:cNvPr id="7" name="Picture 6" descr="A close up of a map&#10;&#10;Description generated with high confidence">
-            <a:extLst>
-              <a:ext uri="{FF2B5EF4-FFF2-40B4-BE49-F238E27FC236}">
-                <a16:creationId xmlns:a16="http://schemas.microsoft.com/office/drawing/2014/main" id="{F88BF3ED-D2C6-496C-B8AB-87FA8B309D0F}"/>
+          <p:cNvPr id="5" name="Picture 4" descr="A close up of a map&#10;&#10;Description generated with high confidence">
+            <a:extLst>
+              <a:ext uri="{FF2B5EF4-FFF2-40B4-BE49-F238E27FC236}">
+                <a16:creationId xmlns:a16="http://schemas.microsoft.com/office/drawing/2014/main" id="{0AB6D0EF-BB4A-4F5F-8BA9-8B3E1D3DE559}"/>
               </a:ext>
             </a:extLst>
           </p:cNvPr>
@@ -4791,8 +4899,44 @@
         </p:blipFill>
         <p:spPr>
           <a:xfrm>
-            <a:off x="2525572" y="891399"/>
-            <a:ext cx="7250725" cy="4781437"/>
+            <a:off x="1823972" y="971089"/>
+            <a:ext cx="7331075" cy="2712955"/>
+          </a:xfrm>
+          <a:prstGeom prst="rect">
+            <a:avLst/>
+          </a:prstGeom>
+        </p:spPr>
+      </p:pic>
+      <p:pic>
+        <p:nvPicPr>
+          <p:cNvPr id="7" name="Picture 6" descr="A picture containing sky, map, text, table&#10;&#10;Description generated with very high confidence">
+            <a:extLst>
+              <a:ext uri="{FF2B5EF4-FFF2-40B4-BE49-F238E27FC236}">
+                <a16:creationId xmlns:a16="http://schemas.microsoft.com/office/drawing/2014/main" id="{1120DCF9-1A15-435C-8FB9-2E6E883E372F}"/>
+              </a:ext>
+            </a:extLst>
+          </p:cNvPr>
+          <p:cNvPicPr>
+            <a:picLocks noChangeAspect="1"/>
+          </p:cNvPicPr>
+          <p:nvPr/>
+        </p:nvPicPr>
+        <p:blipFill>
+          <a:blip r:embed="rId3">
+            <a:extLst>
+              <a:ext uri="{28A0092B-C50C-407E-A947-70E740481C1C}">
+                <a14:useLocalDpi xmlns:a14="http://schemas.microsoft.com/office/drawing/2010/main" val="0"/>
+              </a:ext>
+            </a:extLst>
+          </a:blip>
+          <a:stretch>
+            <a:fillRect/>
+          </a:stretch>
+        </p:blipFill>
+        <p:spPr>
+          <a:xfrm>
+            <a:off x="1983526" y="3684044"/>
+            <a:ext cx="5740235" cy="2690093"/>
           </a:xfrm>
           <a:prstGeom prst="rect">
             <a:avLst/>
@@ -4802,7 +4946,7 @@
     </p:spTree>
     <p:extLst>
       <p:ext uri="{BB962C8B-B14F-4D97-AF65-F5344CB8AC3E}">
-        <p14:creationId xmlns:p14="http://schemas.microsoft.com/office/powerpoint/2010/main" val="1568227830"/>
+        <p14:creationId xmlns:p14="http://schemas.microsoft.com/office/powerpoint/2010/main" val="1942731804"/>
       </p:ext>
     </p:extLst>
   </p:cSld>
@@ -4829,48 +4973,12 @@
           <a:chExt cx="0" cy="0"/>
         </a:xfrm>
       </p:grpSpPr>
-      <p:sp>
-        <p:nvSpPr>
-          <p:cNvPr id="4" name="TextBox 3">
-            <a:extLst>
-              <a:ext uri="{FF2B5EF4-FFF2-40B4-BE49-F238E27FC236}">
-                <a16:creationId xmlns:a16="http://schemas.microsoft.com/office/drawing/2014/main" id="{CF840AF7-834B-426C-8D3C-77E3CC0245FB}"/>
-              </a:ext>
-            </a:extLst>
-          </p:cNvPr>
-          <p:cNvSpPr txBox="1"/>
-          <p:nvPr/>
-        </p:nvSpPr>
-        <p:spPr>
-          <a:xfrm>
-            <a:off x="363894" y="485192"/>
-            <a:ext cx="4021494" cy="523220"/>
-          </a:xfrm>
-          <a:prstGeom prst="rect">
-            <a:avLst/>
-          </a:prstGeom>
-          <a:noFill/>
-        </p:spPr>
-        <p:txBody>
-          <a:bodyPr wrap="square" rtlCol="0">
-            <a:spAutoFit/>
-          </a:bodyPr>
-          <a:lstStyle/>
-          <a:p>
-            <a:r>
-              <a:rPr lang="en-IN" sz="2800" dirty="0"/>
-              <a:t>Registration in challenges:</a:t>
-            </a:r>
-            <a:endParaRPr lang="en-US" sz="2800" dirty="0"/>
-          </a:p>
-        </p:txBody>
-      </p:sp>
       <p:pic>
         <p:nvPicPr>
-          <p:cNvPr id="6" name="Picture 5" descr="A picture containing athletic game, sport, indoor, wall&#10;&#10;Description generated with very high confidence">
-            <a:extLst>
-              <a:ext uri="{FF2B5EF4-FFF2-40B4-BE49-F238E27FC236}">
-                <a16:creationId xmlns:a16="http://schemas.microsoft.com/office/drawing/2014/main" id="{1E3D0F18-1C25-4288-9730-1D3A9F4ED25A}"/>
+          <p:cNvPr id="7" name="Picture 6" descr="A close up of a map&#10;&#10;Description generated with high confidence">
+            <a:extLst>
+              <a:ext uri="{FF2B5EF4-FFF2-40B4-BE49-F238E27FC236}">
+                <a16:creationId xmlns:a16="http://schemas.microsoft.com/office/drawing/2014/main" id="{F88BF3ED-D2C6-496C-B8AB-87FA8B309D0F}"/>
               </a:ext>
             </a:extLst>
           </p:cNvPr>
@@ -4893,8 +5001,8 @@
         </p:blipFill>
         <p:spPr>
           <a:xfrm>
-            <a:off x="863760" y="1926076"/>
-            <a:ext cx="10165164" cy="2947481"/>
+            <a:off x="2525572" y="891399"/>
+            <a:ext cx="7250725" cy="4781437"/>
           </a:xfrm>
           <a:prstGeom prst="rect">
             <a:avLst/>
@@ -4904,7 +5012,7 @@
     </p:spTree>
     <p:extLst>
       <p:ext uri="{BB962C8B-B14F-4D97-AF65-F5344CB8AC3E}">
-        <p14:creationId xmlns:p14="http://schemas.microsoft.com/office/powerpoint/2010/main" val="3748008500"/>
+        <p14:creationId xmlns:p14="http://schemas.microsoft.com/office/powerpoint/2010/main" val="1568227830"/>
       </p:ext>
     </p:extLst>
   </p:cSld>
@@ -4936,7 +5044,7 @@
           <p:cNvPr id="4" name="TextBox 3">
             <a:extLst>
               <a:ext uri="{FF2B5EF4-FFF2-40B4-BE49-F238E27FC236}">
-                <a16:creationId xmlns:a16="http://schemas.microsoft.com/office/drawing/2014/main" id="{37644823-9EF7-462D-986A-AC3619012990}"/>
+                <a16:creationId xmlns:a16="http://schemas.microsoft.com/office/drawing/2014/main" id="{CF840AF7-834B-426C-8D3C-77E3CC0245FB}"/>
               </a:ext>
             </a:extLst>
           </p:cNvPr>
@@ -4945,8 +5053,8 @@
         </p:nvSpPr>
         <p:spPr>
           <a:xfrm>
-            <a:off x="363893" y="317240"/>
-            <a:ext cx="3284376" cy="523220"/>
+            <a:off x="363894" y="485192"/>
+            <a:ext cx="4021494" cy="523220"/>
           </a:xfrm>
           <a:prstGeom prst="rect">
             <a:avLst/>
@@ -4961,7 +5069,7 @@
           <a:p>
             <a:r>
               <a:rPr lang="en-IN" sz="2800" dirty="0"/>
-              <a:t>Submit Solution:</a:t>
+              <a:t>Registration in challenges:</a:t>
             </a:r>
             <a:endParaRPr lang="en-US" sz="2800" dirty="0"/>
           </a:p>
@@ -4969,10 +5077,10 @@
       </p:sp>
       <p:pic>
         <p:nvPicPr>
-          <p:cNvPr id="8" name="Picture 7" descr="A picture containing sky, map, text, table&#10;&#10;Description generated with very high confidence">
-            <a:extLst>
-              <a:ext uri="{FF2B5EF4-FFF2-40B4-BE49-F238E27FC236}">
-                <a16:creationId xmlns:a16="http://schemas.microsoft.com/office/drawing/2014/main" id="{C9634394-7D16-46CB-8B99-E84DE05D0506}"/>
+          <p:cNvPr id="6" name="Picture 5" descr="A picture containing athletic game, sport, indoor, wall&#10;&#10;Description generated with very high confidence">
+            <a:extLst>
+              <a:ext uri="{FF2B5EF4-FFF2-40B4-BE49-F238E27FC236}">
+                <a16:creationId xmlns:a16="http://schemas.microsoft.com/office/drawing/2014/main" id="{1E3D0F18-1C25-4288-9730-1D3A9F4ED25A}"/>
               </a:ext>
             </a:extLst>
           </p:cNvPr>
@@ -4995,8 +5103,8 @@
         </p:blipFill>
         <p:spPr>
           <a:xfrm>
-            <a:off x="1681384" y="1047404"/>
-            <a:ext cx="8357562" cy="5323719"/>
+            <a:off x="863760" y="1926076"/>
+            <a:ext cx="10165164" cy="2947481"/>
           </a:xfrm>
           <a:prstGeom prst="rect">
             <a:avLst/>
@@ -5006,7 +5114,7 @@
     </p:spTree>
     <p:extLst>
       <p:ext uri="{BB962C8B-B14F-4D97-AF65-F5344CB8AC3E}">
-        <p14:creationId xmlns:p14="http://schemas.microsoft.com/office/powerpoint/2010/main" val="1908946446"/>
+        <p14:creationId xmlns:p14="http://schemas.microsoft.com/office/powerpoint/2010/main" val="3748008500"/>
       </p:ext>
     </p:extLst>
   </p:cSld>
@@ -5035,10 +5143,10 @@
       </p:grpSpPr>
       <p:sp>
         <p:nvSpPr>
-          <p:cNvPr id="2" name="TextBox 1">
-            <a:extLst>
-              <a:ext uri="{FF2B5EF4-FFF2-40B4-BE49-F238E27FC236}">
-                <a16:creationId xmlns:a16="http://schemas.microsoft.com/office/drawing/2014/main" id="{301266C2-0C80-43E5-B004-F0B52CE9CB1E}"/>
+          <p:cNvPr id="4" name="TextBox 3">
+            <a:extLst>
+              <a:ext uri="{FF2B5EF4-FFF2-40B4-BE49-F238E27FC236}">
+                <a16:creationId xmlns:a16="http://schemas.microsoft.com/office/drawing/2014/main" id="{37644823-9EF7-462D-986A-AC3619012990}"/>
               </a:ext>
             </a:extLst>
           </p:cNvPr>
@@ -5047,8 +5155,8 @@
         </p:nvSpPr>
         <p:spPr>
           <a:xfrm>
-            <a:off x="382555" y="298580"/>
-            <a:ext cx="3265714" cy="523220"/>
+            <a:off x="363893" y="317240"/>
+            <a:ext cx="3284376" cy="523220"/>
           </a:xfrm>
           <a:prstGeom prst="rect">
             <a:avLst/>
@@ -5063,7 +5171,7 @@
           <a:p>
             <a:r>
               <a:rPr lang="en-IN" sz="2800" dirty="0"/>
-              <a:t>Compile &amp; Test:</a:t>
+              <a:t>Submit Solution:</a:t>
             </a:r>
             <a:endParaRPr lang="en-US" sz="2800" dirty="0"/>
           </a:p>
@@ -5071,10 +5179,10 @@
       </p:sp>
       <p:pic>
         <p:nvPicPr>
-          <p:cNvPr id="4" name="Picture 3" descr="A close up of a map&#10;&#10;Description generated with high confidence">
-            <a:extLst>
-              <a:ext uri="{FF2B5EF4-FFF2-40B4-BE49-F238E27FC236}">
-                <a16:creationId xmlns:a16="http://schemas.microsoft.com/office/drawing/2014/main" id="{3736E76B-B1F1-4DAB-8892-9B1A6AF7AF63}"/>
+          <p:cNvPr id="8" name="Picture 7" descr="A picture containing sky, map, text, table&#10;&#10;Description generated with very high confidence">
+            <a:extLst>
+              <a:ext uri="{FF2B5EF4-FFF2-40B4-BE49-F238E27FC236}">
+                <a16:creationId xmlns:a16="http://schemas.microsoft.com/office/drawing/2014/main" id="{C9634394-7D16-46CB-8B99-E84DE05D0506}"/>
               </a:ext>
             </a:extLst>
           </p:cNvPr>
@@ -5097,8 +5205,8 @@
         </p:blipFill>
         <p:spPr>
           <a:xfrm>
-            <a:off x="1731523" y="1135182"/>
-            <a:ext cx="8511702" cy="5429194"/>
+            <a:off x="1681384" y="1047404"/>
+            <a:ext cx="8357562" cy="5323719"/>
           </a:xfrm>
           <a:prstGeom prst="rect">
             <a:avLst/>
@@ -5108,7 +5216,7 @@
     </p:spTree>
     <p:extLst>
       <p:ext uri="{BB962C8B-B14F-4D97-AF65-F5344CB8AC3E}">
-        <p14:creationId xmlns:p14="http://schemas.microsoft.com/office/powerpoint/2010/main" val="175889920"/>
+        <p14:creationId xmlns:p14="http://schemas.microsoft.com/office/powerpoint/2010/main" val="1908946446"/>
       </p:ext>
     </p:extLst>
   </p:cSld>
